--- a/01_FoundationProjects/CFL14_Hybrid_IoT_LoRa_To_LoRa_WiFi/CFL14_Hybrid_IoT_LoRa_WiFi_Communication.pptx
+++ b/01_FoundationProjects/CFL14_Hybrid_IoT_LoRa_To_LoRa_WiFi/CFL14_Hybrid_IoT_LoRa_WiFi_Communication.pptx
@@ -7649,13 +7649,18 @@
         </p:nvSpPr>
         <p:spPr bwMode="auto">
           <a:xfrm>
-            <a:off x="838200" y="5298256"/>
-            <a:ext cx="5411028" cy="923330"/>
+            <a:off x="684972" y="4957895"/>
+            <a:ext cx="5411028" cy="2123658"/>
           </a:xfrm>
           <a:prstGeom prst="rect">
             <a:avLst/>
           </a:prstGeom>
           <a:noFill/>
+          <a:ln w="28575">
+            <a:solidFill>
+              <a:schemeClr val="accent1"/>
+            </a:solidFill>
+          </a:ln>
         </p:spPr>
         <p:txBody>
           <a:bodyPr wrap="square">
@@ -7761,15 +7766,15 @@
               <a:defRPr/>
             </a:pPr>
             <a:r>
-              <a:rPr lang="en-GB" b="1" dirty="0"/>
+              <a:rPr lang="en-GB" sz="1200" b="1" dirty="0"/>
               <a:t>Code for Lesson CFL14 (</a:t>
             </a:r>
             <a:r>
-              <a:rPr lang="fr-FR" b="1" dirty="0"/>
+              <a:rPr lang="fr-FR" sz="1200" b="1" dirty="0"/>
               <a:t>CFL14_Lora_DHT11_Sender</a:t>
             </a:r>
             <a:r>
-              <a:rPr lang="en-GB" b="1" dirty="0"/>
+              <a:rPr lang="en-GB" sz="1200" b="1" dirty="0"/>
               <a:t>.ino)</a:t>
             </a:r>
           </a:p>
@@ -7778,10 +7783,45 @@
               <a:defRPr/>
             </a:pPr>
             <a:r>
-              <a:rPr lang="en-US" b="1" dirty="0"/>
+              <a:rPr lang="en-US" sz="1200" b="1" dirty="0"/>
               <a:t>(CFL14_Lora_DHT11_Receiver_And_WiFi_Bridge.ino)</a:t>
             </a:r>
-            <a:endParaRPr lang="en-GB" b="1" dirty="0"/>
+          </a:p>
+          <a:p>
+            <a:pPr>
+              <a:defRPr/>
+            </a:pPr>
+            <a:r>
+              <a:rPr lang="en-US" sz="1200" b="1" dirty="0">
+                <a:hlinkClick r:id="rId3"/>
+              </a:rPr>
+              <a:t>https://github.com/info-zas/zas-robotics-communications/blob/main/01_FoundationProjects/CFL14_Hybrid_IoT_LoRa_To_LoRa_WiFi/CFL14_Lora_DHT11_Sender/CFL14_Lora_DHT11_Sender.ino</a:t>
+            </a:r>
+            <a:endParaRPr lang="en-US" sz="1200" b="1" dirty="0"/>
+          </a:p>
+          <a:p>
+            <a:pPr>
+              <a:defRPr/>
+            </a:pPr>
+            <a:endParaRPr lang="en-US" sz="1200" b="1" dirty="0"/>
+          </a:p>
+          <a:p>
+            <a:pPr>
+              <a:defRPr/>
+            </a:pPr>
+            <a:r>
+              <a:rPr lang="en-US" sz="1200" b="1" dirty="0">
+                <a:hlinkClick r:id="rId4"/>
+              </a:rPr>
+              <a:t>https://github.com/info-zas/zas-robotics-communications/blob/main/01_FoundationProjects/CFL14_Hybrid_IoT_LoRa_To_LoRa_WiFi/CFL14_Lora_DHT11_Receiver_And_WiFi_Bridge/CFL14_Lora_DHT11_Receiver_And_WiFi_Bridge.ino</a:t>
+            </a:r>
+            <a:endParaRPr lang="en-US" sz="1200" b="1" dirty="0"/>
+          </a:p>
+          <a:p>
+            <a:pPr>
+              <a:defRPr/>
+            </a:pPr>
+            <a:endParaRPr lang="en-US" sz="1200" b="1" dirty="0"/>
           </a:p>
         </p:txBody>
       </p:sp>
